--- a/EdgeGui_dev/prototype.pptx
+++ b/EdgeGui_dev/prototype.pptx
@@ -10248,6 +10248,68 @@
           </a:p>
         </p:txBody>
       </p:sp>
+      <p:cxnSp>
+        <p:nvCxnSpPr>
+          <p:cNvPr id="36" name="직선 화살표 연결선 35"/>
+          <p:cNvCxnSpPr/>
+          <p:nvPr/>
+        </p:nvCxnSpPr>
+        <p:spPr>
+          <a:xfrm>
+            <a:off x="3957405" y="2669773"/>
+            <a:ext cx="1917302" cy="1416706"/>
+          </a:xfrm>
+          <a:prstGeom prst="straightConnector1">
+            <a:avLst/>
+          </a:prstGeom>
+          <a:ln>
+            <a:tailEnd type="triangle"/>
+          </a:ln>
+        </p:spPr>
+        <p:style>
+          <a:lnRef idx="1">
+            <a:schemeClr val="accent1"/>
+          </a:lnRef>
+          <a:fillRef idx="0">
+            <a:schemeClr val="accent1"/>
+          </a:fillRef>
+          <a:effectRef idx="0">
+            <a:schemeClr val="accent1"/>
+          </a:effectRef>
+          <a:fontRef idx="minor">
+            <a:schemeClr val="tx1"/>
+          </a:fontRef>
+        </p:style>
+      </p:cxnSp>
+      <p:sp>
+        <p:nvSpPr>
+          <p:cNvPr id="37" name="TextBox 36"/>
+          <p:cNvSpPr txBox="1"/>
+          <p:nvPr/>
+        </p:nvSpPr>
+        <p:spPr>
+          <a:xfrm>
+            <a:off x="5112936" y="4064471"/>
+            <a:ext cx="2079320" cy="369332"/>
+          </a:xfrm>
+          <a:prstGeom prst="rect">
+            <a:avLst/>
+          </a:prstGeom>
+          <a:noFill/>
+        </p:spPr>
+        <p:txBody>
+          <a:bodyPr wrap="square" rtlCol="0">
+            <a:spAutoFit/>
+          </a:bodyPr>
+          <a:lstStyle/>
+          <a:p>
+            <a:r>
+              <a:rPr lang="en-US" altLang="ko-KR" smtClean="0"/>
+              <a:t>40,130,400,300</a:t>
+            </a:r>
+          </a:p>
+        </p:txBody>
+      </p:sp>
     </p:spTree>
     <p:extLst>
       <p:ext uri="{BB962C8B-B14F-4D97-AF65-F5344CB8AC3E}">
